--- a/JS/09. Error,Try,Catch/JS_09.pptx
+++ b/JS/09. Error,Try,Catch/JS_09.pptx
@@ -202,7 +202,7 @@
           <a:p>
             <a:fld id="{A042D914-BB65-4391-870D-38FECA74B488}" type="datetimeFigureOut">
               <a:rPr lang="en-US" smtClean="0"/>
-              <a:t>11/28/2024</a:t>
+              <a:t>12/3/2024</a:t>
             </a:fld>
             <a:endParaRPr lang="en-US"/>
           </a:p>
@@ -683,7 +683,7 @@
           <a:p>
             <a:fld id="{4DE3B8FE-1D2D-49AE-BFC8-FB35E95B8F74}" type="datetimeFigureOut">
               <a:rPr lang="en-US" smtClean="0"/>
-              <a:t>11/28/2024</a:t>
+              <a:t>12/3/2024</a:t>
             </a:fld>
             <a:endParaRPr lang="en-US"/>
           </a:p>
@@ -974,7 +974,7 @@
           <a:p>
             <a:fld id="{4DE3B8FE-1D2D-49AE-BFC8-FB35E95B8F74}" type="datetimeFigureOut">
               <a:rPr lang="en-US" smtClean="0"/>
-              <a:t>11/28/2024</a:t>
+              <a:t>12/3/2024</a:t>
             </a:fld>
             <a:endParaRPr lang="en-US"/>
           </a:p>
@@ -1233,7 +1233,7 @@
           <a:p>
             <a:fld id="{4DE3B8FE-1D2D-49AE-BFC8-FB35E95B8F74}" type="datetimeFigureOut">
               <a:rPr lang="en-US" smtClean="0"/>
-              <a:t>11/28/2024</a:t>
+              <a:t>12/3/2024</a:t>
             </a:fld>
             <a:endParaRPr lang="en-US"/>
           </a:p>
@@ -1702,7 +1702,7 @@
           <a:p>
             <a:fld id="{4DE3B8FE-1D2D-49AE-BFC8-FB35E95B8F74}" type="datetimeFigureOut">
               <a:rPr lang="en-US" smtClean="0"/>
-              <a:t>11/28/2024</a:t>
+              <a:t>12/3/2024</a:t>
             </a:fld>
             <a:endParaRPr lang="en-US"/>
           </a:p>
@@ -1882,7 +1882,7 @@
           <a:p>
             <a:fld id="{4DE3B8FE-1D2D-49AE-BFC8-FB35E95B8F74}" type="datetimeFigureOut">
               <a:rPr lang="en-US" smtClean="0"/>
-              <a:t>11/28/2024</a:t>
+              <a:t>12/3/2024</a:t>
             </a:fld>
             <a:endParaRPr lang="en-US"/>
           </a:p>
@@ -2458,7 +2458,7 @@
           <a:p>
             <a:fld id="{4DE3B8FE-1D2D-49AE-BFC8-FB35E95B8F74}" type="datetimeFigureOut">
               <a:rPr lang="en-US" smtClean="0"/>
-              <a:t>11/28/2024</a:t>
+              <a:t>12/3/2024</a:t>
             </a:fld>
             <a:endParaRPr lang="en-US"/>
           </a:p>
@@ -2790,7 +2790,7 @@
           <a:p>
             <a:fld id="{4DE3B8FE-1D2D-49AE-BFC8-FB35E95B8F74}" type="datetimeFigureOut">
               <a:rPr lang="en-US" smtClean="0"/>
-              <a:t>11/28/2024</a:t>
+              <a:t>12/3/2024</a:t>
             </a:fld>
             <a:endParaRPr lang="en-US"/>
           </a:p>
@@ -2965,7 +2965,7 @@
           <a:p>
             <a:fld id="{4DE3B8FE-1D2D-49AE-BFC8-FB35E95B8F74}" type="datetimeFigureOut">
               <a:rPr lang="en-US" smtClean="0"/>
-              <a:t>11/28/2024</a:t>
+              <a:t>12/3/2024</a:t>
             </a:fld>
             <a:endParaRPr lang="en-US"/>
           </a:p>
@@ -3145,7 +3145,7 @@
           <a:p>
             <a:fld id="{4DE3B8FE-1D2D-49AE-BFC8-FB35E95B8F74}" type="datetimeFigureOut">
               <a:rPr lang="en-US" smtClean="0"/>
-              <a:t>11/28/2024</a:t>
+              <a:t>12/3/2024</a:t>
             </a:fld>
             <a:endParaRPr lang="en-US"/>
           </a:p>
@@ -3315,7 +3315,7 @@
           <a:p>
             <a:fld id="{4DE3B8FE-1D2D-49AE-BFC8-FB35E95B8F74}" type="datetimeFigureOut">
               <a:rPr lang="en-US" smtClean="0"/>
-              <a:t>11/28/2024</a:t>
+              <a:t>12/3/2024</a:t>
             </a:fld>
             <a:endParaRPr lang="en-US"/>
           </a:p>
@@ -3572,7 +3572,7 @@
           <a:p>
             <a:fld id="{4DE3B8FE-1D2D-49AE-BFC8-FB35E95B8F74}" type="datetimeFigureOut">
               <a:rPr lang="en-US" smtClean="0"/>
-              <a:t>11/28/2024</a:t>
+              <a:t>12/3/2024</a:t>
             </a:fld>
             <a:endParaRPr lang="en-US"/>
           </a:p>
@@ -3864,7 +3864,7 @@
           <a:p>
             <a:fld id="{4DE3B8FE-1D2D-49AE-BFC8-FB35E95B8F74}" type="datetimeFigureOut">
               <a:rPr lang="en-US" smtClean="0"/>
-              <a:t>11/28/2024</a:t>
+              <a:t>12/3/2024</a:t>
             </a:fld>
             <a:endParaRPr lang="en-US"/>
           </a:p>
@@ -4294,7 +4294,7 @@
           <a:p>
             <a:fld id="{4DE3B8FE-1D2D-49AE-BFC8-FB35E95B8F74}" type="datetimeFigureOut">
               <a:rPr lang="en-US" smtClean="0"/>
-              <a:t>11/28/2024</a:t>
+              <a:t>12/3/2024</a:t>
             </a:fld>
             <a:endParaRPr lang="en-US"/>
           </a:p>
@@ -4412,7 +4412,7 @@
           <a:p>
             <a:fld id="{4DE3B8FE-1D2D-49AE-BFC8-FB35E95B8F74}" type="datetimeFigureOut">
               <a:rPr lang="en-US" smtClean="0"/>
-              <a:t>11/28/2024</a:t>
+              <a:t>12/3/2024</a:t>
             </a:fld>
             <a:endParaRPr lang="en-US"/>
           </a:p>
@@ -4507,7 +4507,7 @@
           <a:p>
             <a:fld id="{4DE3B8FE-1D2D-49AE-BFC8-FB35E95B8F74}" type="datetimeFigureOut">
               <a:rPr lang="en-US" smtClean="0"/>
-              <a:t>11/28/2024</a:t>
+              <a:t>12/3/2024</a:t>
             </a:fld>
             <a:endParaRPr lang="en-US"/>
           </a:p>
@@ -4790,7 +4790,7 @@
           <a:p>
             <a:fld id="{4DE3B8FE-1D2D-49AE-BFC8-FB35E95B8F74}" type="datetimeFigureOut">
               <a:rPr lang="en-US" smtClean="0"/>
-              <a:t>11/28/2024</a:t>
+              <a:t>12/3/2024</a:t>
             </a:fld>
             <a:endParaRPr lang="en-US"/>
           </a:p>
@@ -5081,7 +5081,7 @@
           <a:p>
             <a:fld id="{4DE3B8FE-1D2D-49AE-BFC8-FB35E95B8F74}" type="datetimeFigureOut">
               <a:rPr lang="en-US" smtClean="0"/>
-              <a:t>11/28/2024</a:t>
+              <a:t>12/3/2024</a:t>
             </a:fld>
             <a:endParaRPr lang="en-US"/>
           </a:p>
@@ -5312,7 +5312,7 @@
           <a:p>
             <a:fld id="{4DE3B8FE-1D2D-49AE-BFC8-FB35E95B8F74}" type="datetimeFigureOut">
               <a:rPr lang="en-US" smtClean="0"/>
-              <a:t>11/28/2024</a:t>
+              <a:t>12/3/2024</a:t>
             </a:fld>
             <a:endParaRPr lang="en-US"/>
           </a:p>
@@ -6753,8 +6753,8 @@
         </p:blipFill>
         <p:spPr>
           <a:xfrm>
-            <a:off x="251737" y="905522"/>
-            <a:ext cx="11688525" cy="5749490"/>
+            <a:off x="251738" y="905522"/>
+            <a:ext cx="11688523" cy="5749490"/>
           </a:xfrm>
         </p:spPr>
       </p:pic>
